--- a/Reports/Proposal_presentation.pptx
+++ b/Reports/Proposal_presentation.pptx
@@ -6,9 +6,11 @@
   </p:sldMasterIdLst>
   <p:sldIdLst>
     <p:sldId id="256" r:id="rId2"/>
-    <p:sldId id="257" r:id="rId3"/>
-    <p:sldId id="258" r:id="rId4"/>
-    <p:sldId id="259" r:id="rId5"/>
+    <p:sldId id="260" r:id="rId3"/>
+    <p:sldId id="263" r:id="rId4"/>
+    <p:sldId id="261" r:id="rId5"/>
+    <p:sldId id="262" r:id="rId6"/>
+    <p:sldId id="259" r:id="rId7"/>
   </p:sldIdLst>
   <p:sldSz cx="12192000" cy="6858000"/>
   <p:notesSz cx="6858000" cy="9144000"/>
@@ -107,6 +109,11 @@
       </a:defRPr>
     </a:lvl9pPr>
   </p:defaultTextStyle>
+  <p:extLst>
+    <p:ext uri="{EFAFB233-063F-42B5-8137-9DF3F51BA10A}">
+      <p15:sldGuideLst xmlns:p15="http://schemas.microsoft.com/office/powerpoint/2012/main"/>
+    </p:ext>
+  </p:extLst>
 </p:presentation>
 </file>
 
@@ -241,7 +248,7 @@
           <a:p>
             <a:fld id="{83E3F878-1DBF-5843-B3EB-008E7F830014}" type="datetimeFigureOut">
               <a:rPr lang="en-US" smtClean="0"/>
-              <a:t>3/3/17</a:t>
+              <a:t>3/5/17</a:t>
             </a:fld>
             <a:endParaRPr lang="en-US"/>
           </a:p>
@@ -411,7 +418,7 @@
           <a:p>
             <a:fld id="{83E3F878-1DBF-5843-B3EB-008E7F830014}" type="datetimeFigureOut">
               <a:rPr lang="en-US" smtClean="0"/>
-              <a:t>3/3/17</a:t>
+              <a:t>3/5/17</a:t>
             </a:fld>
             <a:endParaRPr lang="en-US"/>
           </a:p>
@@ -591,7 +598,7 @@
           <a:p>
             <a:fld id="{83E3F878-1DBF-5843-B3EB-008E7F830014}" type="datetimeFigureOut">
               <a:rPr lang="en-US" smtClean="0"/>
-              <a:t>3/3/17</a:t>
+              <a:t>3/5/17</a:t>
             </a:fld>
             <a:endParaRPr lang="en-US"/>
           </a:p>
@@ -761,7 +768,7 @@
           <a:p>
             <a:fld id="{83E3F878-1DBF-5843-B3EB-008E7F830014}" type="datetimeFigureOut">
               <a:rPr lang="en-US" smtClean="0"/>
-              <a:t>3/3/17</a:t>
+              <a:t>3/5/17</a:t>
             </a:fld>
             <a:endParaRPr lang="en-US"/>
           </a:p>
@@ -1007,7 +1014,7 @@
           <a:p>
             <a:fld id="{83E3F878-1DBF-5843-B3EB-008E7F830014}" type="datetimeFigureOut">
               <a:rPr lang="en-US" smtClean="0"/>
-              <a:t>3/3/17</a:t>
+              <a:t>3/5/17</a:t>
             </a:fld>
             <a:endParaRPr lang="en-US"/>
           </a:p>
@@ -1239,7 +1246,7 @@
           <a:p>
             <a:fld id="{83E3F878-1DBF-5843-B3EB-008E7F830014}" type="datetimeFigureOut">
               <a:rPr lang="en-US" smtClean="0"/>
-              <a:t>3/3/17</a:t>
+              <a:t>3/5/17</a:t>
             </a:fld>
             <a:endParaRPr lang="en-US"/>
           </a:p>
@@ -1606,7 +1613,7 @@
           <a:p>
             <a:fld id="{83E3F878-1DBF-5843-B3EB-008E7F830014}" type="datetimeFigureOut">
               <a:rPr lang="en-US" smtClean="0"/>
-              <a:t>3/3/17</a:t>
+              <a:t>3/5/17</a:t>
             </a:fld>
             <a:endParaRPr lang="en-US"/>
           </a:p>
@@ -1724,7 +1731,7 @@
           <a:p>
             <a:fld id="{83E3F878-1DBF-5843-B3EB-008E7F830014}" type="datetimeFigureOut">
               <a:rPr lang="en-US" smtClean="0"/>
-              <a:t>3/3/17</a:t>
+              <a:t>3/5/17</a:t>
             </a:fld>
             <a:endParaRPr lang="en-US"/>
           </a:p>
@@ -1819,7 +1826,7 @@
           <a:p>
             <a:fld id="{83E3F878-1DBF-5843-B3EB-008E7F830014}" type="datetimeFigureOut">
               <a:rPr lang="en-US" smtClean="0"/>
-              <a:t>3/3/17</a:t>
+              <a:t>3/5/17</a:t>
             </a:fld>
             <a:endParaRPr lang="en-US"/>
           </a:p>
@@ -2096,7 +2103,7 @@
           <a:p>
             <a:fld id="{83E3F878-1DBF-5843-B3EB-008E7F830014}" type="datetimeFigureOut">
               <a:rPr lang="en-US" smtClean="0"/>
-              <a:t>3/3/17</a:t>
+              <a:t>3/5/17</a:t>
             </a:fld>
             <a:endParaRPr lang="en-US"/>
           </a:p>
@@ -2349,7 +2356,7 @@
           <a:p>
             <a:fld id="{83E3F878-1DBF-5843-B3EB-008E7F830014}" type="datetimeFigureOut">
               <a:rPr lang="en-US" smtClean="0"/>
-              <a:t>3/3/17</a:t>
+              <a:t>3/5/17</a:t>
             </a:fld>
             <a:endParaRPr lang="en-US"/>
           </a:p>
@@ -2562,7 +2569,7 @@
           <a:p>
             <a:fld id="{83E3F878-1DBF-5843-B3EB-008E7F830014}" type="datetimeFigureOut">
               <a:rPr lang="en-US" smtClean="0"/>
-              <a:t>3/3/17</a:t>
+              <a:t>3/5/17</a:t>
             </a:fld>
             <a:endParaRPr lang="en-US"/>
           </a:p>
@@ -2979,9 +2986,19 @@
         </p:nvSpPr>
         <p:spPr/>
         <p:txBody>
-          <a:bodyPr/>
+          <a:bodyPr>
+            <a:normAutofit fontScale="90000"/>
+          </a:bodyPr>
           <a:lstStyle/>
           <a:p>
+            <a:r>
+              <a:rPr lang="en-US" dirty="0" smtClean="0"/>
+              <a:t>Indoor Localization system using Time of Flight in </a:t>
+            </a:r>
+            <a:r>
+              <a:rPr lang="en-US" smtClean="0"/>
+              <a:t>UWB spectrum</a:t>
+            </a:r>
             <a:endParaRPr lang="en-US"/>
           </a:p>
         </p:txBody>
@@ -3001,7 +3018,30 @@
           <a:bodyPr/>
           <a:lstStyle/>
           <a:p>
-            <a:endParaRPr lang="en-US"/>
+            <a:pPr algn="r"/>
+            <a:r>
+              <a:rPr lang="en-US" dirty="0" err="1" smtClean="0"/>
+              <a:t>Anirban</a:t>
+            </a:r>
+            <a:r>
+              <a:rPr lang="en-US" dirty="0" smtClean="0"/>
+              <a:t> Ghosh</a:t>
+            </a:r>
+          </a:p>
+          <a:p>
+            <a:pPr algn="r"/>
+            <a:r>
+              <a:rPr lang="en-US" dirty="0" smtClean="0"/>
+              <a:t>Albert Davies</a:t>
+            </a:r>
+          </a:p>
+          <a:p>
+            <a:pPr algn="r"/>
+            <a:r>
+              <a:rPr lang="en-US" dirty="0" smtClean="0"/>
+              <a:t>Tejus Siddagangaiah</a:t>
+            </a:r>
+            <a:endParaRPr lang="en-US" dirty="0"/>
           </a:p>
         </p:txBody>
       </p:sp>
@@ -3042,23 +3082,243 @@
           <a:chExt cx="0" cy="0"/>
         </a:xfrm>
       </p:grpSpPr>
+      <p:sp>
+        <p:nvSpPr>
+          <p:cNvPr id="2" name="Title 1"/>
+          <p:cNvSpPr>
+            <a:spLocks noGrp="1"/>
+          </p:cNvSpPr>
+          <p:nvPr>
+            <p:ph type="title"/>
+          </p:nvPr>
+        </p:nvSpPr>
+        <p:spPr/>
+        <p:txBody>
+          <a:bodyPr/>
+          <a:lstStyle/>
+          <a:p>
+            <a:r>
+              <a:rPr lang="en-US" dirty="0" smtClean="0"/>
+              <a:t>Objective</a:t>
+            </a:r>
+            <a:endParaRPr lang="en-US" dirty="0"/>
+          </a:p>
+        </p:txBody>
+      </p:sp>
+      <p:sp>
+        <p:nvSpPr>
+          <p:cNvPr id="3" name="Content Placeholder 2"/>
+          <p:cNvSpPr>
+            <a:spLocks noGrp="1"/>
+          </p:cNvSpPr>
+          <p:nvPr>
+            <p:ph idx="1"/>
+          </p:nvPr>
+        </p:nvSpPr>
+        <p:spPr/>
+        <p:txBody>
+          <a:bodyPr/>
+          <a:lstStyle/>
+          <a:p>
+            <a:r>
+              <a:rPr lang="en-US" dirty="0" smtClean="0"/>
+              <a:t>Compute a mobile node’s position with respect to multiple anchor nodes in an indoor setting</a:t>
+            </a:r>
+          </a:p>
+          <a:p>
+            <a:endParaRPr lang="en-US" dirty="0" smtClean="0"/>
+          </a:p>
+          <a:p>
+            <a:endParaRPr lang="en-US" dirty="0"/>
+          </a:p>
+        </p:txBody>
+      </p:sp>
+    </p:spTree>
+    <p:extLst>
+      <p:ext uri="{BB962C8B-B14F-4D97-AF65-F5344CB8AC3E}">
+        <p14:creationId xmlns:p14="http://schemas.microsoft.com/office/powerpoint/2010/main" val="1230812623"/>
+      </p:ext>
+    </p:extLst>
+  </p:cSld>
+  <p:clrMapOvr>
+    <a:masterClrMapping/>
+  </p:clrMapOvr>
+  <p:timing>
+    <p:tnLst>
+      <p:par>
+        <p:cTn id="1" dur="indefinite" restart="never" nodeType="tmRoot"/>
+      </p:par>
+    </p:tnLst>
+  </p:timing>
+</p:sld>
+</file>
+
+<file path=ppt/slides/slide3.xml><?xml version="1.0" encoding="utf-8"?>
+<p:sld xmlns:a="http://schemas.openxmlformats.org/drawingml/2006/main" xmlns:r="http://schemas.openxmlformats.org/officeDocument/2006/relationships" xmlns:p="http://schemas.openxmlformats.org/presentationml/2006/main">
+  <p:cSld>
+    <p:spTree>
+      <p:nvGrpSpPr>
+        <p:cNvPr id="1" name=""/>
+        <p:cNvGrpSpPr/>
+        <p:nvPr/>
+      </p:nvGrpSpPr>
+      <p:grpSpPr>
+        <a:xfrm>
+          <a:off x="0" y="0"/>
+          <a:ext cx="0" cy="0"/>
+          <a:chOff x="0" y="0"/>
+          <a:chExt cx="0" cy="0"/>
+        </a:xfrm>
+      </p:grpSpPr>
+      <p:sp>
+        <p:nvSpPr>
+          <p:cNvPr id="2" name="Title 1"/>
+          <p:cNvSpPr>
+            <a:spLocks noGrp="1"/>
+          </p:cNvSpPr>
+          <p:nvPr>
+            <p:ph type="title"/>
+          </p:nvPr>
+        </p:nvSpPr>
+        <p:spPr/>
+        <p:txBody>
+          <a:bodyPr/>
+          <a:lstStyle/>
+          <a:p>
+            <a:r>
+              <a:rPr lang="en-US" dirty="0" smtClean="0"/>
+              <a:t>Methodology</a:t>
+            </a:r>
+            <a:endParaRPr lang="en-US" dirty="0"/>
+          </a:p>
+        </p:txBody>
+      </p:sp>
+      <p:sp>
+        <p:nvSpPr>
+          <p:cNvPr id="3" name="Content Placeholder 2"/>
+          <p:cNvSpPr>
+            <a:spLocks noGrp="1"/>
+          </p:cNvSpPr>
+          <p:nvPr>
+            <p:ph idx="1"/>
+          </p:nvPr>
+        </p:nvSpPr>
+        <p:spPr/>
+        <p:txBody>
+          <a:bodyPr/>
+          <a:lstStyle/>
+          <a:p>
+            <a:r>
+              <a:rPr lang="en-US" dirty="0" smtClean="0"/>
+              <a:t>Texas Instrument’s CC3200 + </a:t>
+            </a:r>
+            <a:r>
+              <a:rPr lang="en-US" dirty="0" err="1" smtClean="0"/>
+              <a:t>Decawave’s</a:t>
+            </a:r>
+            <a:r>
+              <a:rPr lang="en-US" dirty="0" smtClean="0"/>
+              <a:t> DWM1000 UWB module</a:t>
+            </a:r>
+          </a:p>
+          <a:p>
+            <a:r>
+              <a:rPr lang="en-US" dirty="0" smtClean="0"/>
+              <a:t>Explain both?</a:t>
+            </a:r>
+          </a:p>
+          <a:p>
+            <a:r>
+              <a:rPr lang="en-US" dirty="0" smtClean="0"/>
+              <a:t>What do we put in the demonstration section ? </a:t>
+            </a:r>
+          </a:p>
+          <a:p>
+            <a:r>
+              <a:rPr lang="en-US" dirty="0" smtClean="0"/>
+              <a:t>I don</a:t>
+            </a:r>
+            <a:r>
+              <a:rPr lang="mr-IN" dirty="0" smtClean="0"/>
+              <a:t>’</a:t>
+            </a:r>
+            <a:r>
+              <a:rPr lang="en-US" dirty="0" smtClean="0"/>
+              <a:t>t know what he means by Use Cases? Should we explain what the demos would look like?  </a:t>
+            </a:r>
+          </a:p>
+        </p:txBody>
+      </p:sp>
+    </p:spTree>
+    <p:extLst>
+      <p:ext uri="{BB962C8B-B14F-4D97-AF65-F5344CB8AC3E}">
+        <p14:creationId xmlns:p14="http://schemas.microsoft.com/office/powerpoint/2010/main" val="1384819635"/>
+      </p:ext>
+    </p:extLst>
+  </p:cSld>
+  <p:clrMapOvr>
+    <a:masterClrMapping/>
+  </p:clrMapOvr>
+</p:sld>
+</file>
+
+<file path=ppt/slides/slide4.xml><?xml version="1.0" encoding="utf-8"?>
+<p:sld xmlns:a="http://schemas.openxmlformats.org/drawingml/2006/main" xmlns:r="http://schemas.openxmlformats.org/officeDocument/2006/relationships" xmlns:p="http://schemas.openxmlformats.org/presentationml/2006/main">
+  <p:cSld>
+    <p:spTree>
+      <p:nvGrpSpPr>
+        <p:cNvPr id="1" name=""/>
+        <p:cNvGrpSpPr/>
+        <p:nvPr/>
+      </p:nvGrpSpPr>
+      <p:grpSpPr>
+        <a:xfrm>
+          <a:off x="0" y="0"/>
+          <a:ext cx="0" cy="0"/>
+          <a:chOff x="0" y="0"/>
+          <a:chExt cx="0" cy="0"/>
+        </a:xfrm>
+      </p:grpSpPr>
+      <p:sp>
+        <p:nvSpPr>
+          <p:cNvPr id="2" name="Title 1"/>
+          <p:cNvSpPr>
+            <a:spLocks noGrp="1"/>
+          </p:cNvSpPr>
+          <p:nvPr>
+            <p:ph type="title"/>
+          </p:nvPr>
+        </p:nvSpPr>
+        <p:spPr/>
+        <p:txBody>
+          <a:bodyPr/>
+          <a:lstStyle/>
+          <a:p>
+            <a:r>
+              <a:rPr lang="en-US" dirty="0" smtClean="0"/>
+              <a:t>System Architecture and Design</a:t>
+            </a:r>
+            <a:endParaRPr lang="en-US" dirty="0"/>
+          </a:p>
+        </p:txBody>
+      </p:sp>
       <p:grpSp>
         <p:nvGrpSpPr>
-          <p:cNvPr id="101" name="Group 100"/>
+          <p:cNvPr id="4" name="Group 3"/>
           <p:cNvGrpSpPr/>
           <p:nvPr/>
         </p:nvGrpSpPr>
         <p:grpSpPr>
           <a:xfrm>
-            <a:off x="284311" y="266253"/>
-            <a:ext cx="11760051" cy="6454354"/>
+            <a:off x="434902" y="1326993"/>
+            <a:ext cx="11386440" cy="5505124"/>
             <a:chOff x="284311" y="266253"/>
             <a:chExt cx="11760051" cy="6454354"/>
           </a:xfrm>
         </p:grpSpPr>
         <p:sp>
           <p:nvSpPr>
-            <p:cNvPr id="94" name="TextBox 93"/>
+            <p:cNvPr id="5" name="TextBox 4"/>
             <p:cNvSpPr txBox="1"/>
             <p:nvPr/>
           </p:nvSpPr>
@@ -3087,7 +3347,7 @@
         </p:sp>
         <p:grpSp>
           <p:nvGrpSpPr>
-            <p:cNvPr id="100" name="Group 99"/>
+            <p:cNvPr id="6" name="Group 5"/>
             <p:cNvGrpSpPr/>
             <p:nvPr/>
           </p:nvGrpSpPr>
@@ -3101,7 +3361,7 @@
           </p:grpSpPr>
           <p:sp>
             <p:nvSpPr>
-              <p:cNvPr id="61" name="TextBox 60"/>
+              <p:cNvPr id="7" name="TextBox 6"/>
               <p:cNvSpPr txBox="1"/>
               <p:nvPr/>
             </p:nvSpPr>
@@ -3131,7 +3391,7 @@
           </p:sp>
           <p:sp>
             <p:nvSpPr>
-              <p:cNvPr id="77" name="TextBox 76"/>
+              <p:cNvPr id="8" name="TextBox 7"/>
               <p:cNvSpPr txBox="1"/>
               <p:nvPr/>
             </p:nvSpPr>
@@ -3164,7 +3424,7 @@
           </p:sp>
           <p:sp>
             <p:nvSpPr>
-              <p:cNvPr id="78" name="TextBox 77"/>
+              <p:cNvPr id="9" name="TextBox 8"/>
               <p:cNvSpPr txBox="1"/>
               <p:nvPr/>
             </p:nvSpPr>
@@ -3193,7 +3453,7 @@
           </p:sp>
           <p:grpSp>
             <p:nvGrpSpPr>
-              <p:cNvPr id="99" name="Group 98"/>
+              <p:cNvPr id="10" name="Group 9"/>
               <p:cNvGrpSpPr/>
               <p:nvPr/>
             </p:nvGrpSpPr>
@@ -3207,7 +3467,7 @@
             </p:grpSpPr>
             <p:grpSp>
               <p:nvGrpSpPr>
-                <p:cNvPr id="30" name="Group 29"/>
+                <p:cNvPr id="11" name="Group 10"/>
                 <p:cNvGrpSpPr/>
                 <p:nvPr/>
               </p:nvGrpSpPr>
@@ -3221,7 +3481,7 @@
               </p:grpSpPr>
               <p:grpSp>
                 <p:nvGrpSpPr>
-                  <p:cNvPr id="25" name="Group 24"/>
+                  <p:cNvPr id="60" name="Group 59"/>
                   <p:cNvGrpSpPr/>
                   <p:nvPr/>
                 </p:nvGrpSpPr>
@@ -3235,7 +3495,7 @@
                 </p:grpSpPr>
                 <p:sp>
                   <p:nvSpPr>
-                    <p:cNvPr id="4" name="Rounded Rectangle 3"/>
+                    <p:cNvPr id="70" name="Rounded Rectangle 69"/>
                     <p:cNvSpPr/>
                     <p:nvPr/>
                   </p:nvSpPr>
@@ -3326,7 +3586,7 @@
                 </p:sp>
                 <p:sp>
                   <p:nvSpPr>
-                    <p:cNvPr id="6" name="Rounded Rectangle 5"/>
+                    <p:cNvPr id="71" name="Rounded Rectangle 70"/>
                     <p:cNvSpPr/>
                     <p:nvPr/>
                   </p:nvSpPr>
@@ -3390,7 +3650,7 @@
                 </p:sp>
                 <p:sp>
                   <p:nvSpPr>
-                    <p:cNvPr id="7" name="Rounded Rectangle 6"/>
+                    <p:cNvPr id="72" name="Rounded Rectangle 71"/>
                     <p:cNvSpPr/>
                     <p:nvPr/>
                   </p:nvSpPr>
@@ -3447,7 +3707,7 @@
                 </p:sp>
                 <p:sp>
                   <p:nvSpPr>
-                    <p:cNvPr id="8" name="Rounded Rectangle 7"/>
+                    <p:cNvPr id="73" name="Rounded Rectangle 72"/>
                     <p:cNvSpPr/>
                     <p:nvPr/>
                   </p:nvSpPr>
@@ -3505,7 +3765,7 @@
               </p:grpSp>
               <p:sp>
                 <p:nvSpPr>
-                  <p:cNvPr id="9" name="Rounded Rectangle 8"/>
+                  <p:cNvPr id="61" name="Rounded Rectangle 60"/>
                   <p:cNvSpPr/>
                   <p:nvPr/>
                 </p:nvSpPr>
@@ -3602,7 +3862,7 @@
               </p:sp>
               <p:grpSp>
                 <p:nvGrpSpPr>
-                  <p:cNvPr id="29" name="Group 28"/>
+                  <p:cNvPr id="62" name="Group 61"/>
                   <p:cNvGrpSpPr/>
                   <p:nvPr/>
                 </p:nvGrpSpPr>
@@ -3616,9 +3876,9 @@
                 </p:grpSpPr>
                 <p:cxnSp>
                   <p:nvCxnSpPr>
-                    <p:cNvPr id="11" name="Straight Connector 10"/>
+                    <p:cNvPr id="65" name="Straight Connector 64"/>
                     <p:cNvCxnSpPr>
-                      <a:stCxn id="9" idx="3"/>
+                      <a:stCxn id="11" idx="3"/>
                     </p:cNvCxnSpPr>
                     <p:nvPr/>
                   </p:nvCxnSpPr>
@@ -3653,7 +3913,7 @@
                 </p:cxnSp>
                 <p:grpSp>
                   <p:nvGrpSpPr>
-                    <p:cNvPr id="28" name="Group 27"/>
+                    <p:cNvPr id="66" name="Group 65"/>
                     <p:cNvGrpSpPr/>
                     <p:nvPr/>
                   </p:nvGrpSpPr>
@@ -3667,7 +3927,7 @@
                   </p:grpSpPr>
                   <p:cxnSp>
                     <p:nvCxnSpPr>
-                      <p:cNvPr id="13" name="Straight Connector 12"/>
+                      <p:cNvPr id="67" name="Straight Connector 66"/>
                       <p:cNvCxnSpPr/>
                       <p:nvPr/>
                     </p:nvCxnSpPr>
@@ -3702,7 +3962,7 @@
                   </p:cxnSp>
                   <p:cxnSp>
                     <p:nvCxnSpPr>
-                      <p:cNvPr id="16" name="Straight Connector 15"/>
+                      <p:cNvPr id="68" name="Straight Connector 67"/>
                       <p:cNvCxnSpPr/>
                       <p:nvPr/>
                     </p:nvCxnSpPr>
@@ -3743,7 +4003,7 @@
                   </p:cxnSp>
                   <p:cxnSp>
                     <p:nvCxnSpPr>
-                      <p:cNvPr id="18" name="Straight Connector 17"/>
+                      <p:cNvPr id="69" name="Straight Connector 68"/>
                       <p:cNvCxnSpPr/>
                       <p:nvPr/>
                     </p:nvCxnSpPr>
@@ -3786,10 +4046,10 @@
               </p:grpSp>
               <p:cxnSp>
                 <p:nvCxnSpPr>
-                  <p:cNvPr id="23" name="Straight Arrow Connector 22"/>
+                  <p:cNvPr id="63" name="Straight Arrow Connector 62"/>
                   <p:cNvCxnSpPr>
-                    <a:stCxn id="4" idx="3"/>
-                    <a:endCxn id="9" idx="1"/>
+                    <a:stCxn id="6" idx="3"/>
+                    <a:endCxn id="11" idx="1"/>
                   </p:cNvCxnSpPr>
                   <p:nvPr/>
                 </p:nvCxnSpPr>
@@ -3826,7 +4086,7 @@
               </p:cxnSp>
               <p:sp>
                 <p:nvSpPr>
-                  <p:cNvPr id="24" name="TextBox 23"/>
+                  <p:cNvPr id="64" name="TextBox 63"/>
                   <p:cNvSpPr txBox="1"/>
                   <p:nvPr/>
                 </p:nvSpPr>
@@ -3857,7 +4117,7 @@
             </p:grpSp>
             <p:sp>
               <p:nvSpPr>
-                <p:cNvPr id="26" name="Rectangle 25"/>
+                <p:cNvPr id="12" name="Rectangle 11"/>
                 <p:cNvSpPr/>
                 <p:nvPr/>
               </p:nvSpPr>
@@ -3907,13 +4167,663 @@
             </p:sp>
             <p:grpSp>
               <p:nvGrpSpPr>
-                <p:cNvPr id="31" name="Group 30"/>
+                <p:cNvPr id="13" name="Group 12"/>
                 <p:cNvGrpSpPr/>
                 <p:nvPr/>
               </p:nvGrpSpPr>
               <p:grpSpPr>
                 <a:xfrm>
                   <a:off x="7659235" y="4495251"/>
+                  <a:ext cx="4329113" cy="1785461"/>
+                  <a:chOff x="3311857" y="1428273"/>
+                  <a:chExt cx="7675231" cy="4271963"/>
+                </a:xfrm>
+              </p:grpSpPr>
+              <p:grpSp>
+                <p:nvGrpSpPr>
+                  <p:cNvPr id="46" name="Group 45"/>
+                  <p:cNvGrpSpPr/>
+                  <p:nvPr/>
+                </p:nvGrpSpPr>
+                <p:grpSpPr>
+                  <a:xfrm>
+                    <a:off x="3311857" y="1428273"/>
+                    <a:ext cx="3063240" cy="4271963"/>
+                    <a:chOff x="2526031" y="1428273"/>
+                    <a:chExt cx="3063240" cy="4271963"/>
+                  </a:xfrm>
+                </p:grpSpPr>
+                <p:sp>
+                  <p:nvSpPr>
+                    <p:cNvPr id="56" name="Rounded Rectangle 55"/>
+                    <p:cNvSpPr/>
+                    <p:nvPr/>
+                  </p:nvSpPr>
+                  <p:spPr>
+                    <a:xfrm>
+                      <a:off x="2526031" y="1428273"/>
+                      <a:ext cx="3063240" cy="4271963"/>
+                    </a:xfrm>
+                    <a:prstGeom prst="roundRect">
+                      <a:avLst/>
+                    </a:prstGeom>
+                    <a:gradFill>
+                      <a:gsLst>
+                        <a:gs pos="0">
+                          <a:schemeClr val="accent1">
+                            <a:lumMod val="5000"/>
+                            <a:lumOff val="95000"/>
+                          </a:schemeClr>
+                        </a:gs>
+                        <a:gs pos="37000">
+                          <a:schemeClr val="bg1">
+                            <a:lumMod val="85000"/>
+                          </a:schemeClr>
+                        </a:gs>
+                        <a:gs pos="56000">
+                          <a:schemeClr val="bg1">
+                            <a:lumMod val="85000"/>
+                          </a:schemeClr>
+                        </a:gs>
+                        <a:gs pos="100000">
+                          <a:schemeClr val="bg1">
+                            <a:lumMod val="85000"/>
+                          </a:schemeClr>
+                        </a:gs>
+                      </a:gsLst>
+                      <a:lin ang="5400000" scaled="1"/>
+                    </a:gradFill>
+                    <a:ln>
+                      <a:solidFill>
+                        <a:schemeClr val="bg2"/>
+                      </a:solidFill>
+                    </a:ln>
+                  </p:spPr>
+                  <p:style>
+                    <a:lnRef idx="2">
+                      <a:schemeClr val="accent1">
+                        <a:shade val="50000"/>
+                      </a:schemeClr>
+                    </a:lnRef>
+                    <a:fillRef idx="1">
+                      <a:schemeClr val="accent1"/>
+                    </a:fillRef>
+                    <a:effectRef idx="0">
+                      <a:schemeClr val="accent1"/>
+                    </a:effectRef>
+                    <a:fontRef idx="minor">
+                      <a:schemeClr val="lt1"/>
+                    </a:fontRef>
+                  </p:style>
+                  <p:txBody>
+                    <a:bodyPr rtlCol="0" anchor="ctr"/>
+                    <a:lstStyle/>
+                    <a:p>
+                      <a:pPr algn="ctr"/>
+                      <a:r>
+                        <a:rPr lang="en-US" sz="1100" b="1" dirty="0" smtClean="0">
+                          <a:solidFill>
+                            <a:schemeClr val="tx1"/>
+                          </a:solidFill>
+                        </a:rPr>
+                        <a:t>CC3200 </a:t>
+                      </a:r>
+                      <a:r>
+                        <a:rPr lang="en-US" sz="1100" b="1" dirty="0" err="1" smtClean="0">
+                          <a:solidFill>
+                            <a:schemeClr val="tx1"/>
+                          </a:solidFill>
+                        </a:rPr>
+                        <a:t>SoC</a:t>
+                      </a:r>
+                      <a:endParaRPr lang="en-US" sz="1100" b="1" dirty="0" smtClean="0">
+                        <a:solidFill>
+                          <a:schemeClr val="tx1"/>
+                        </a:solidFill>
+                      </a:endParaRPr>
+                    </a:p>
+                  </p:txBody>
+                </p:sp>
+                <p:sp>
+                  <p:nvSpPr>
+                    <p:cNvPr id="57" name="Rounded Rectangle 56"/>
+                    <p:cNvSpPr/>
+                    <p:nvPr/>
+                  </p:nvSpPr>
+                  <p:spPr>
+                    <a:xfrm>
+                      <a:off x="2643188" y="1943100"/>
+                      <a:ext cx="1357312" cy="971550"/>
+                    </a:xfrm>
+                    <a:prstGeom prst="roundRect">
+                      <a:avLst/>
+                    </a:prstGeom>
+                    <a:solidFill>
+                      <a:schemeClr val="tx1">
+                        <a:lumMod val="50000"/>
+                        <a:lumOff val="50000"/>
+                      </a:schemeClr>
+                    </a:solidFill>
+                    <a:ln>
+                      <a:solidFill>
+                        <a:schemeClr val="bg2">
+                          <a:lumMod val="90000"/>
+                        </a:schemeClr>
+                      </a:solidFill>
+                    </a:ln>
+                  </p:spPr>
+                  <p:style>
+                    <a:lnRef idx="2">
+                      <a:schemeClr val="accent1">
+                        <a:shade val="50000"/>
+                      </a:schemeClr>
+                    </a:lnRef>
+                    <a:fillRef idx="1">
+                      <a:schemeClr val="accent1"/>
+                    </a:fillRef>
+                    <a:effectRef idx="0">
+                      <a:schemeClr val="accent1"/>
+                    </a:effectRef>
+                    <a:fontRef idx="minor">
+                      <a:schemeClr val="lt1"/>
+                    </a:fontRef>
+                  </p:style>
+                  <p:txBody>
+                    <a:bodyPr rtlCol="0" anchor="ctr"/>
+                    <a:lstStyle/>
+                    <a:p>
+                      <a:pPr algn="ctr"/>
+                      <a:r>
+                        <a:rPr lang="en-US" sz="800" dirty="0" smtClean="0"/>
+                        <a:t>Cortex-M4 Core</a:t>
+                      </a:r>
+                    </a:p>
+                    <a:p>
+                      <a:pPr algn="ctr"/>
+                      <a:r>
+                        <a:rPr lang="en-US" sz="800" dirty="0" smtClean="0"/>
+                        <a:t>80MHz</a:t>
+                      </a:r>
+                      <a:endParaRPr lang="en-US" sz="800" dirty="0"/>
+                    </a:p>
+                  </p:txBody>
+                </p:sp>
+                <p:sp>
+                  <p:nvSpPr>
+                    <p:cNvPr id="58" name="Rounded Rectangle 57"/>
+                    <p:cNvSpPr/>
+                    <p:nvPr/>
+                  </p:nvSpPr>
+                  <p:spPr>
+                    <a:xfrm>
+                      <a:off x="4087654" y="1943100"/>
+                      <a:ext cx="1357312" cy="971550"/>
+                    </a:xfrm>
+                    <a:prstGeom prst="roundRect">
+                      <a:avLst/>
+                    </a:prstGeom>
+                    <a:solidFill>
+                      <a:schemeClr val="tx1">
+                        <a:lumMod val="50000"/>
+                        <a:lumOff val="50000"/>
+                      </a:schemeClr>
+                    </a:solidFill>
+                    <a:ln>
+                      <a:solidFill>
+                        <a:schemeClr val="bg2">
+                          <a:lumMod val="90000"/>
+                        </a:schemeClr>
+                      </a:solidFill>
+                    </a:ln>
+                  </p:spPr>
+                  <p:style>
+                    <a:lnRef idx="2">
+                      <a:schemeClr val="accent1">
+                        <a:shade val="50000"/>
+                      </a:schemeClr>
+                    </a:lnRef>
+                    <a:fillRef idx="1">
+                      <a:schemeClr val="accent1"/>
+                    </a:fillRef>
+                    <a:effectRef idx="0">
+                      <a:schemeClr val="accent1"/>
+                    </a:effectRef>
+                    <a:fontRef idx="minor">
+                      <a:schemeClr val="lt1"/>
+                    </a:fontRef>
+                  </p:style>
+                  <p:txBody>
+                    <a:bodyPr rtlCol="0" anchor="ctr"/>
+                    <a:lstStyle/>
+                    <a:p>
+                      <a:pPr algn="ctr"/>
+                      <a:r>
+                        <a:rPr lang="en-US" sz="800" dirty="0" smtClean="0"/>
+                        <a:t>Network Processor</a:t>
+                      </a:r>
+                      <a:endParaRPr lang="en-US" sz="800" dirty="0"/>
+                    </a:p>
+                  </p:txBody>
+                </p:sp>
+                <p:sp>
+                  <p:nvSpPr>
+                    <p:cNvPr id="59" name="Rounded Rectangle 58"/>
+                    <p:cNvSpPr/>
+                    <p:nvPr/>
+                  </p:nvSpPr>
+                  <p:spPr>
+                    <a:xfrm>
+                      <a:off x="2687478" y="4064563"/>
+                      <a:ext cx="2714624" cy="971550"/>
+                    </a:xfrm>
+                    <a:prstGeom prst="roundRect">
+                      <a:avLst/>
+                    </a:prstGeom>
+                    <a:solidFill>
+                      <a:schemeClr val="tx1">
+                        <a:lumMod val="50000"/>
+                        <a:lumOff val="50000"/>
+                      </a:schemeClr>
+                    </a:solidFill>
+                    <a:ln>
+                      <a:solidFill>
+                        <a:schemeClr val="bg2">
+                          <a:lumMod val="90000"/>
+                        </a:schemeClr>
+                      </a:solidFill>
+                    </a:ln>
+                  </p:spPr>
+                  <p:style>
+                    <a:lnRef idx="2">
+                      <a:schemeClr val="accent1">
+                        <a:shade val="50000"/>
+                      </a:schemeClr>
+                    </a:lnRef>
+                    <a:fillRef idx="1">
+                      <a:schemeClr val="accent1"/>
+                    </a:fillRef>
+                    <a:effectRef idx="0">
+                      <a:schemeClr val="accent1"/>
+                    </a:effectRef>
+                    <a:fontRef idx="minor">
+                      <a:schemeClr val="lt1"/>
+                    </a:fontRef>
+                  </p:style>
+                  <p:txBody>
+                    <a:bodyPr rtlCol="0" anchor="ctr"/>
+                    <a:lstStyle/>
+                    <a:p>
+                      <a:pPr algn="ctr"/>
+                      <a:r>
+                        <a:rPr lang="en-US" sz="800" dirty="0" smtClean="0"/>
+                        <a:t>Peripherals and Power Management</a:t>
+                      </a:r>
+                      <a:endParaRPr lang="en-US" sz="800" dirty="0"/>
+                    </a:p>
+                  </p:txBody>
+                </p:sp>
+              </p:grpSp>
+              <p:sp>
+                <p:nvSpPr>
+                  <p:cNvPr id="47" name="Rounded Rectangle 46"/>
+                  <p:cNvSpPr/>
+                  <p:nvPr/>
+                </p:nvSpPr>
+                <p:spPr>
+                  <a:xfrm>
+                    <a:off x="8272462" y="2342911"/>
+                    <a:ext cx="2155507" cy="2442686"/>
+                  </a:xfrm>
+                  <a:prstGeom prst="roundRect">
+                    <a:avLst/>
+                  </a:prstGeom>
+                  <a:gradFill>
+                    <a:gsLst>
+                      <a:gs pos="0">
+                        <a:schemeClr val="accent1">
+                          <a:lumMod val="5000"/>
+                          <a:lumOff val="95000"/>
+                        </a:schemeClr>
+                      </a:gs>
+                      <a:gs pos="37000">
+                        <a:schemeClr val="bg1">
+                          <a:lumMod val="85000"/>
+                        </a:schemeClr>
+                      </a:gs>
+                      <a:gs pos="56000">
+                        <a:schemeClr val="bg1">
+                          <a:lumMod val="85000"/>
+                        </a:schemeClr>
+                      </a:gs>
+                      <a:gs pos="100000">
+                        <a:schemeClr val="bg1">
+                          <a:lumMod val="85000"/>
+                        </a:schemeClr>
+                      </a:gs>
+                    </a:gsLst>
+                    <a:lin ang="5400000" scaled="1"/>
+                  </a:gradFill>
+                  <a:ln>
+                    <a:solidFill>
+                      <a:schemeClr val="bg2"/>
+                    </a:solidFill>
+                  </a:ln>
+                </p:spPr>
+                <p:style>
+                  <a:lnRef idx="2">
+                    <a:schemeClr val="accent1">
+                      <a:shade val="50000"/>
+                    </a:schemeClr>
+                  </a:lnRef>
+                  <a:fillRef idx="1">
+                    <a:schemeClr val="accent1"/>
+                  </a:fillRef>
+                  <a:effectRef idx="0">
+                    <a:schemeClr val="accent1"/>
+                  </a:effectRef>
+                  <a:fontRef idx="minor">
+                    <a:schemeClr val="lt1"/>
+                  </a:fontRef>
+                </p:style>
+                <p:txBody>
+                  <a:bodyPr rtlCol="0" anchor="ctr"/>
+                  <a:lstStyle/>
+                  <a:p>
+                    <a:pPr algn="ctr"/>
+                    <a:r>
+                      <a:rPr lang="en-US" sz="1050" b="1" dirty="0" err="1" smtClean="0">
+                        <a:solidFill>
+                          <a:schemeClr val="tx1"/>
+                        </a:solidFill>
+                      </a:rPr>
+                      <a:t>Decawave</a:t>
+                    </a:r>
+                    <a:r>
+                      <a:rPr lang="en-US" sz="1050" b="1" dirty="0" smtClean="0">
+                        <a:solidFill>
+                          <a:schemeClr val="tx1"/>
+                        </a:solidFill>
+                      </a:rPr>
+                      <a:t> </a:t>
+                    </a:r>
+                  </a:p>
+                  <a:p>
+                    <a:pPr algn="ctr"/>
+                    <a:r>
+                      <a:rPr lang="en-US" sz="1050" b="1" dirty="0" smtClean="0">
+                        <a:solidFill>
+                          <a:schemeClr val="tx1"/>
+                        </a:solidFill>
+                      </a:rPr>
+                      <a:t>DW1000 Module</a:t>
+                    </a:r>
+                  </a:p>
+                </p:txBody>
+              </p:sp>
+              <p:grpSp>
+                <p:nvGrpSpPr>
+                  <p:cNvPr id="48" name="Group 47"/>
+                  <p:cNvGrpSpPr/>
+                  <p:nvPr/>
+                </p:nvGrpSpPr>
+                <p:grpSpPr>
+                  <a:xfrm>
+                    <a:off x="10427969" y="2795585"/>
+                    <a:ext cx="559119" cy="768669"/>
+                    <a:chOff x="10427969" y="2795585"/>
+                    <a:chExt cx="559119" cy="768669"/>
+                  </a:xfrm>
+                </p:grpSpPr>
+                <p:cxnSp>
+                  <p:nvCxnSpPr>
+                    <p:cNvPr id="51" name="Straight Connector 50"/>
+                    <p:cNvCxnSpPr>
+                      <a:stCxn id="40" idx="3"/>
+                    </p:cNvCxnSpPr>
+                    <p:nvPr/>
+                  </p:nvCxnSpPr>
+                  <p:spPr>
+                    <a:xfrm>
+                      <a:off x="10427969" y="3564254"/>
+                      <a:ext cx="430531" cy="0"/>
+                    </a:xfrm>
+                    <a:prstGeom prst="line">
+                      <a:avLst/>
+                    </a:prstGeom>
+                    <a:ln w="47625" cmpd="sng">
+                      <a:solidFill>
+                        <a:schemeClr val="tx1"/>
+                      </a:solidFill>
+                    </a:ln>
+                  </p:spPr>
+                  <p:style>
+                    <a:lnRef idx="1">
+                      <a:schemeClr val="accent1"/>
+                    </a:lnRef>
+                    <a:fillRef idx="0">
+                      <a:schemeClr val="accent1"/>
+                    </a:fillRef>
+                    <a:effectRef idx="0">
+                      <a:schemeClr val="accent1"/>
+                    </a:effectRef>
+                    <a:fontRef idx="minor">
+                      <a:schemeClr val="tx1"/>
+                    </a:fontRef>
+                  </p:style>
+                </p:cxnSp>
+                <p:grpSp>
+                  <p:nvGrpSpPr>
+                    <p:cNvPr id="52" name="Group 51"/>
+                    <p:cNvGrpSpPr/>
+                    <p:nvPr/>
+                  </p:nvGrpSpPr>
+                  <p:grpSpPr>
+                    <a:xfrm>
+                      <a:off x="10753726" y="2795585"/>
+                      <a:ext cx="233362" cy="768669"/>
+                      <a:chOff x="10753726" y="2795585"/>
+                      <a:chExt cx="233362" cy="768669"/>
+                    </a:xfrm>
+                  </p:grpSpPr>
+                  <p:cxnSp>
+                    <p:nvCxnSpPr>
+                      <p:cNvPr id="53" name="Straight Connector 52"/>
+                      <p:cNvCxnSpPr/>
+                      <p:nvPr/>
+                    </p:nvCxnSpPr>
+                    <p:spPr>
+                      <a:xfrm flipV="1">
+                        <a:off x="10858500" y="2914650"/>
+                        <a:ext cx="0" cy="649604"/>
+                      </a:xfrm>
+                      <a:prstGeom prst="line">
+                        <a:avLst/>
+                      </a:prstGeom>
+                      <a:ln w="47625" cmpd="sng">
+                        <a:solidFill>
+                          <a:schemeClr val="tx1"/>
+                        </a:solidFill>
+                      </a:ln>
+                    </p:spPr>
+                    <p:style>
+                      <a:lnRef idx="1">
+                        <a:schemeClr val="accent1"/>
+                      </a:lnRef>
+                      <a:fillRef idx="0">
+                        <a:schemeClr val="accent1"/>
+                      </a:fillRef>
+                      <a:effectRef idx="0">
+                        <a:schemeClr val="accent1"/>
+                      </a:effectRef>
+                      <a:fontRef idx="minor">
+                        <a:schemeClr val="tx1"/>
+                      </a:fontRef>
+                    </p:style>
+                  </p:cxnSp>
+                  <p:cxnSp>
+                    <p:nvCxnSpPr>
+                      <p:cNvPr id="54" name="Straight Connector 53"/>
+                      <p:cNvCxnSpPr/>
+                      <p:nvPr/>
+                    </p:nvCxnSpPr>
+                    <p:spPr>
+                      <a:xfrm flipH="1" flipV="1">
+                        <a:off x="10872788" y="2814639"/>
+                        <a:ext cx="114300" cy="128587"/>
+                      </a:xfrm>
+                      <a:prstGeom prst="line">
+                        <a:avLst/>
+                      </a:prstGeom>
+                      <a:ln w="47625" cmpd="sng">
+                        <a:solidFill>
+                          <a:schemeClr val="tx1"/>
+                        </a:solidFill>
+                      </a:ln>
+                      <a:scene3d>
+                        <a:camera prst="orthographicFront">
+                          <a:rot lat="0" lon="0" rev="5400000"/>
+                        </a:camera>
+                        <a:lightRig rig="threePt" dir="t"/>
+                      </a:scene3d>
+                    </p:spPr>
+                    <p:style>
+                      <a:lnRef idx="1">
+                        <a:schemeClr val="accent1"/>
+                      </a:lnRef>
+                      <a:fillRef idx="0">
+                        <a:schemeClr val="accent1"/>
+                      </a:fillRef>
+                      <a:effectRef idx="0">
+                        <a:schemeClr val="accent1"/>
+                      </a:effectRef>
+                      <a:fontRef idx="minor">
+                        <a:schemeClr val="tx1"/>
+                      </a:fontRef>
+                    </p:style>
+                  </p:cxnSp>
+                  <p:cxnSp>
+                    <p:nvCxnSpPr>
+                      <p:cNvPr id="55" name="Straight Connector 54"/>
+                      <p:cNvCxnSpPr/>
+                      <p:nvPr/>
+                    </p:nvCxnSpPr>
+                    <p:spPr>
+                      <a:xfrm flipH="1" flipV="1">
+                        <a:off x="10753726" y="2795585"/>
+                        <a:ext cx="114300" cy="128587"/>
+                      </a:xfrm>
+                      <a:prstGeom prst="line">
+                        <a:avLst/>
+                      </a:prstGeom>
+                      <a:ln w="47625" cmpd="sng">
+                        <a:solidFill>
+                          <a:schemeClr val="tx1"/>
+                        </a:solidFill>
+                      </a:ln>
+                      <a:scene3d>
+                        <a:camera prst="orthographicFront">
+                          <a:rot lat="0" lon="0" rev="0"/>
+                        </a:camera>
+                        <a:lightRig rig="threePt" dir="t"/>
+                      </a:scene3d>
+                    </p:spPr>
+                    <p:style>
+                      <a:lnRef idx="1">
+                        <a:schemeClr val="accent1"/>
+                      </a:lnRef>
+                      <a:fillRef idx="0">
+                        <a:schemeClr val="accent1"/>
+                      </a:fillRef>
+                      <a:effectRef idx="0">
+                        <a:schemeClr val="accent1"/>
+                      </a:effectRef>
+                      <a:fontRef idx="minor">
+                        <a:schemeClr val="tx1"/>
+                      </a:fontRef>
+                    </p:style>
+                  </p:cxnSp>
+                </p:grpSp>
+              </p:grpSp>
+              <p:cxnSp>
+                <p:nvCxnSpPr>
+                  <p:cNvPr id="49" name="Straight Arrow Connector 48"/>
+                  <p:cNvCxnSpPr>
+                    <a:stCxn id="35" idx="3"/>
+                    <a:endCxn id="40" idx="1"/>
+                  </p:cNvCxnSpPr>
+                  <p:nvPr/>
+                </p:nvCxnSpPr>
+                <p:spPr>
+                  <a:xfrm flipV="1">
+                    <a:off x="6375097" y="3564254"/>
+                    <a:ext cx="1897365" cy="1"/>
+                  </a:xfrm>
+                  <a:prstGeom prst="straightConnector1">
+                    <a:avLst/>
+                  </a:prstGeom>
+                  <a:ln w="57150">
+                    <a:solidFill>
+                      <a:schemeClr val="tx1"/>
+                    </a:solidFill>
+                    <a:headEnd type="triangle"/>
+                    <a:tailEnd type="triangle"/>
+                  </a:ln>
+                </p:spPr>
+                <p:style>
+                  <a:lnRef idx="1">
+                    <a:schemeClr val="accent1"/>
+                  </a:lnRef>
+                  <a:fillRef idx="0">
+                    <a:schemeClr val="accent1"/>
+                  </a:fillRef>
+                  <a:effectRef idx="0">
+                    <a:schemeClr val="accent1"/>
+                  </a:effectRef>
+                  <a:fontRef idx="minor">
+                    <a:schemeClr val="tx1"/>
+                  </a:fontRef>
+                </p:style>
+              </p:cxnSp>
+              <p:sp>
+                <p:nvSpPr>
+                  <p:cNvPr id="50" name="TextBox 49"/>
+                  <p:cNvSpPr txBox="1"/>
+                  <p:nvPr/>
+                </p:nvSpPr>
+                <p:spPr>
+                  <a:xfrm>
+                    <a:off x="7100899" y="2965876"/>
+                    <a:ext cx="1114425" cy="534456"/>
+                  </a:xfrm>
+                  <a:prstGeom prst="rect">
+                    <a:avLst/>
+                  </a:prstGeom>
+                  <a:noFill/>
+                </p:spPr>
+                <p:txBody>
+                  <a:bodyPr wrap="square" rtlCol="0">
+                    <a:spAutoFit/>
+                  </a:bodyPr>
+                  <a:lstStyle/>
+                  <a:p>
+                    <a:r>
+                      <a:rPr lang="en-US" sz="1200" b="1" smtClean="0"/>
+                      <a:t>SPI</a:t>
+                    </a:r>
+                    <a:endParaRPr lang="en-US" sz="1200" b="1"/>
+                  </a:p>
+                </p:txBody>
+              </p:sp>
+            </p:grpSp>
+            <p:grpSp>
+              <p:nvGrpSpPr>
+                <p:cNvPr id="14" name="Group 13"/>
+                <p:cNvGrpSpPr/>
+                <p:nvPr/>
+              </p:nvGrpSpPr>
+              <p:grpSpPr>
+                <a:xfrm>
+                  <a:off x="644580" y="4468534"/>
                   <a:ext cx="4329113" cy="1785461"/>
                   <a:chOff x="3311857" y="1428273"/>
                   <a:chExt cx="7675231" cy="4271963"/>
@@ -4317,9 +5227,7 @@
                 <p:cxnSp>
                   <p:nvCxnSpPr>
                     <p:cNvPr id="37" name="Straight Connector 36"/>
-                    <p:cNvCxnSpPr>
-                      <a:stCxn id="38" idx="3"/>
-                    </p:cNvCxnSpPr>
+                    <p:cNvCxnSpPr/>
                     <p:nvPr/>
                   </p:nvCxnSpPr>
                   <p:spPr>
@@ -4487,10 +5395,7 @@
               <p:cxnSp>
                 <p:nvCxnSpPr>
                   <p:cNvPr id="35" name="Straight Arrow Connector 34"/>
-                  <p:cNvCxnSpPr>
-                    <a:stCxn id="33" idx="3"/>
-                    <a:endCxn id="38" idx="1"/>
-                  </p:cNvCxnSpPr>
+                  <p:cNvCxnSpPr/>
                   <p:nvPr/>
                 </p:nvCxnSpPr>
                 <p:spPr>
@@ -4557,21 +5462,21 @@
             </p:grpSp>
             <p:grpSp>
               <p:nvGrpSpPr>
-                <p:cNvPr id="46" name="Group 45"/>
+                <p:cNvPr id="15" name="Group 14"/>
                 <p:cNvGrpSpPr/>
                 <p:nvPr/>
               </p:nvGrpSpPr>
               <p:grpSpPr>
                 <a:xfrm>
-                  <a:off x="644580" y="4468534"/>
-                  <a:ext cx="4329113" cy="1785461"/>
+                  <a:off x="3743325" y="1782046"/>
+                  <a:ext cx="3100388" cy="1389780"/>
                   <a:chOff x="3311857" y="1428273"/>
                   <a:chExt cx="7675231" cy="4271963"/>
                 </a:xfrm>
               </p:grpSpPr>
               <p:grpSp>
                 <p:nvGrpSpPr>
-                  <p:cNvPr id="47" name="Group 46"/>
+                  <p:cNvPr id="18" name="Group 17"/>
                   <p:cNvGrpSpPr/>
                   <p:nvPr/>
                 </p:nvGrpSpPr>
@@ -4585,7 +5490,7 @@
                 </p:grpSpPr>
                 <p:sp>
                   <p:nvSpPr>
-                    <p:cNvPr id="57" name="Rounded Rectangle 56"/>
+                    <p:cNvPr id="28" name="Rounded Rectangle 27"/>
                     <p:cNvSpPr/>
                     <p:nvPr/>
                   </p:nvSpPr>
@@ -4676,7 +5581,7 @@
                 </p:sp>
                 <p:sp>
                   <p:nvSpPr>
-                    <p:cNvPr id="58" name="Rounded Rectangle 57"/>
+                    <p:cNvPr id="29" name="Rounded Rectangle 28"/>
                     <p:cNvSpPr/>
                     <p:nvPr/>
                   </p:nvSpPr>
@@ -4724,23 +5629,23 @@
                     <a:p>
                       <a:pPr algn="ctr"/>
                       <a:r>
-                        <a:rPr lang="en-US" sz="800" dirty="0" smtClean="0"/>
+                        <a:rPr lang="en-US" sz="600" dirty="0" smtClean="0"/>
                         <a:t>Cortex-M4 Core</a:t>
                       </a:r>
                     </a:p>
                     <a:p>
                       <a:pPr algn="ctr"/>
                       <a:r>
-                        <a:rPr lang="en-US" sz="800" dirty="0" smtClean="0"/>
+                        <a:rPr lang="en-US" sz="600" dirty="0" smtClean="0"/>
                         <a:t>80MHz</a:t>
                       </a:r>
-                      <a:endParaRPr lang="en-US" sz="800" dirty="0"/>
+                      <a:endParaRPr lang="en-US" sz="600" dirty="0"/>
                     </a:p>
                   </p:txBody>
                 </p:sp>
                 <p:sp>
                   <p:nvSpPr>
-                    <p:cNvPr id="59" name="Rounded Rectangle 58"/>
+                    <p:cNvPr id="30" name="Rounded Rectangle 29"/>
                     <p:cNvSpPr/>
                     <p:nvPr/>
                   </p:nvSpPr>
@@ -4788,16 +5693,16 @@
                     <a:p>
                       <a:pPr algn="ctr"/>
                       <a:r>
-                        <a:rPr lang="en-US" sz="800" dirty="0" smtClean="0"/>
+                        <a:rPr lang="en-US" sz="600" dirty="0" smtClean="0"/>
                         <a:t>Network Processor</a:t>
                       </a:r>
-                      <a:endParaRPr lang="en-US" sz="800" dirty="0"/>
+                      <a:endParaRPr lang="en-US" sz="600" dirty="0"/>
                     </a:p>
                   </p:txBody>
                 </p:sp>
                 <p:sp>
                   <p:nvSpPr>
-                    <p:cNvPr id="60" name="Rounded Rectangle 59"/>
+                    <p:cNvPr id="31" name="Rounded Rectangle 30"/>
                     <p:cNvSpPr/>
                     <p:nvPr/>
                   </p:nvSpPr>
@@ -4845,17 +5750,17 @@
                     <a:p>
                       <a:pPr algn="ctr"/>
                       <a:r>
-                        <a:rPr lang="en-US" sz="800" dirty="0" smtClean="0"/>
+                        <a:rPr lang="en-US" sz="600" dirty="0" smtClean="0"/>
                         <a:t>Peripherals and Power Management</a:t>
                       </a:r>
-                      <a:endParaRPr lang="en-US" sz="800" dirty="0"/>
+                      <a:endParaRPr lang="en-US" sz="600" dirty="0"/>
                     </a:p>
                   </p:txBody>
                 </p:sp>
               </p:grpSp>
               <p:sp>
                 <p:nvSpPr>
-                  <p:cNvPr id="48" name="Rounded Rectangle 47"/>
+                  <p:cNvPr id="19" name="Rounded Rectangle 18"/>
                   <p:cNvSpPr/>
                   <p:nvPr/>
                 </p:nvSpPr>
@@ -4952,7 +5857,7 @@
               </p:sp>
               <p:grpSp>
                 <p:nvGrpSpPr>
-                  <p:cNvPr id="49" name="Group 48"/>
+                  <p:cNvPr id="20" name="Group 19"/>
                   <p:cNvGrpSpPr/>
                   <p:nvPr/>
                 </p:nvGrpSpPr>
@@ -4966,7 +5871,7 @@
                 </p:grpSpPr>
                 <p:cxnSp>
                   <p:nvCxnSpPr>
-                    <p:cNvPr id="52" name="Straight Connector 51"/>
+                    <p:cNvPr id="23" name="Straight Connector 22"/>
                     <p:cNvCxnSpPr/>
                     <p:nvPr/>
                   </p:nvCxnSpPr>
@@ -5001,7 +5906,7 @@
                 </p:cxnSp>
                 <p:grpSp>
                   <p:nvGrpSpPr>
-                    <p:cNvPr id="53" name="Group 52"/>
+                    <p:cNvPr id="24" name="Group 23"/>
                     <p:cNvGrpSpPr/>
                     <p:nvPr/>
                   </p:nvGrpSpPr>
@@ -5015,7 +5920,7 @@
                   </p:grpSpPr>
                   <p:cxnSp>
                     <p:nvCxnSpPr>
-                      <p:cNvPr id="54" name="Straight Connector 53"/>
+                      <p:cNvPr id="25" name="Straight Connector 24"/>
                       <p:cNvCxnSpPr/>
                       <p:nvPr/>
                     </p:nvCxnSpPr>
@@ -5050,7 +5955,7 @@
                   </p:cxnSp>
                   <p:cxnSp>
                     <p:nvCxnSpPr>
-                      <p:cNvPr id="55" name="Straight Connector 54"/>
+                      <p:cNvPr id="26" name="Straight Connector 25"/>
                       <p:cNvCxnSpPr/>
                       <p:nvPr/>
                     </p:nvCxnSpPr>
@@ -5091,7 +5996,7 @@
                   </p:cxnSp>
                   <p:cxnSp>
                     <p:nvCxnSpPr>
-                      <p:cNvPr id="56" name="Straight Connector 55"/>
+                      <p:cNvPr id="27" name="Straight Connector 26"/>
                       <p:cNvCxnSpPr/>
                       <p:nvPr/>
                     </p:nvCxnSpPr>
@@ -5134,7 +6039,7 @@
               </p:grpSp>
               <p:cxnSp>
                 <p:nvCxnSpPr>
-                  <p:cNvPr id="50" name="Straight Arrow Connector 49"/>
+                  <p:cNvPr id="21" name="Straight Arrow Connector 20"/>
                   <p:cNvCxnSpPr/>
                   <p:nvPr/>
                 </p:nvCxnSpPr>
@@ -5171,657 +6076,7 @@
               </p:cxnSp>
               <p:sp>
                 <p:nvSpPr>
-                  <p:cNvPr id="51" name="TextBox 50"/>
-                  <p:cNvSpPr txBox="1"/>
-                  <p:nvPr/>
-                </p:nvSpPr>
-                <p:spPr>
-                  <a:xfrm>
-                    <a:off x="7100899" y="2965876"/>
-                    <a:ext cx="1114425" cy="534456"/>
-                  </a:xfrm>
-                  <a:prstGeom prst="rect">
-                    <a:avLst/>
-                  </a:prstGeom>
-                  <a:noFill/>
-                </p:spPr>
-                <p:txBody>
-                  <a:bodyPr wrap="square" rtlCol="0">
-                    <a:spAutoFit/>
-                  </a:bodyPr>
-                  <a:lstStyle/>
-                  <a:p>
-                    <a:r>
-                      <a:rPr lang="en-US" sz="1200" b="1" smtClean="0"/>
-                      <a:t>SPI</a:t>
-                    </a:r>
-                    <a:endParaRPr lang="en-US" sz="1200" b="1"/>
-                  </a:p>
-                </p:txBody>
-              </p:sp>
-            </p:grpSp>
-            <p:grpSp>
-              <p:nvGrpSpPr>
-                <p:cNvPr id="79" name="Group 78"/>
-                <p:cNvGrpSpPr/>
-                <p:nvPr/>
-              </p:nvGrpSpPr>
-              <p:grpSpPr>
-                <a:xfrm>
-                  <a:off x="3743325" y="1782046"/>
-                  <a:ext cx="3100388" cy="1389780"/>
-                  <a:chOff x="3311857" y="1428273"/>
-                  <a:chExt cx="7675231" cy="4271963"/>
-                </a:xfrm>
-              </p:grpSpPr>
-              <p:grpSp>
-                <p:nvGrpSpPr>
-                  <p:cNvPr id="80" name="Group 79"/>
-                  <p:cNvGrpSpPr/>
-                  <p:nvPr/>
-                </p:nvGrpSpPr>
-                <p:grpSpPr>
-                  <a:xfrm>
-                    <a:off x="3311857" y="1428273"/>
-                    <a:ext cx="3063240" cy="4271963"/>
-                    <a:chOff x="2526031" y="1428273"/>
-                    <a:chExt cx="3063240" cy="4271963"/>
-                  </a:xfrm>
-                </p:grpSpPr>
-                <p:sp>
-                  <p:nvSpPr>
-                    <p:cNvPr id="90" name="Rounded Rectangle 89"/>
-                    <p:cNvSpPr/>
-                    <p:nvPr/>
-                  </p:nvSpPr>
-                  <p:spPr>
-                    <a:xfrm>
-                      <a:off x="2526031" y="1428273"/>
-                      <a:ext cx="3063240" cy="4271963"/>
-                    </a:xfrm>
-                    <a:prstGeom prst="roundRect">
-                      <a:avLst/>
-                    </a:prstGeom>
-                    <a:gradFill>
-                      <a:gsLst>
-                        <a:gs pos="0">
-                          <a:schemeClr val="accent1">
-                            <a:lumMod val="5000"/>
-                            <a:lumOff val="95000"/>
-                          </a:schemeClr>
-                        </a:gs>
-                        <a:gs pos="37000">
-                          <a:schemeClr val="bg1">
-                            <a:lumMod val="85000"/>
-                          </a:schemeClr>
-                        </a:gs>
-                        <a:gs pos="56000">
-                          <a:schemeClr val="bg1">
-                            <a:lumMod val="85000"/>
-                          </a:schemeClr>
-                        </a:gs>
-                        <a:gs pos="100000">
-                          <a:schemeClr val="bg1">
-                            <a:lumMod val="85000"/>
-                          </a:schemeClr>
-                        </a:gs>
-                      </a:gsLst>
-                      <a:lin ang="5400000" scaled="1"/>
-                    </a:gradFill>
-                    <a:ln>
-                      <a:solidFill>
-                        <a:schemeClr val="bg2"/>
-                      </a:solidFill>
-                    </a:ln>
-                  </p:spPr>
-                  <p:style>
-                    <a:lnRef idx="2">
-                      <a:schemeClr val="accent1">
-                        <a:shade val="50000"/>
-                      </a:schemeClr>
-                    </a:lnRef>
-                    <a:fillRef idx="1">
-                      <a:schemeClr val="accent1"/>
-                    </a:fillRef>
-                    <a:effectRef idx="0">
-                      <a:schemeClr val="accent1"/>
-                    </a:effectRef>
-                    <a:fontRef idx="minor">
-                      <a:schemeClr val="lt1"/>
-                    </a:fontRef>
-                  </p:style>
-                  <p:txBody>
-                    <a:bodyPr rtlCol="0" anchor="ctr"/>
-                    <a:lstStyle/>
-                    <a:p>
-                      <a:pPr algn="ctr"/>
-                      <a:r>
-                        <a:rPr lang="en-US" sz="1100" b="1" dirty="0" smtClean="0">
-                          <a:solidFill>
-                            <a:schemeClr val="tx1"/>
-                          </a:solidFill>
-                        </a:rPr>
-                        <a:t>CC3200 </a:t>
-                      </a:r>
-                      <a:r>
-                        <a:rPr lang="en-US" sz="1100" b="1" dirty="0" err="1" smtClean="0">
-                          <a:solidFill>
-                            <a:schemeClr val="tx1"/>
-                          </a:solidFill>
-                        </a:rPr>
-                        <a:t>SoC</a:t>
-                      </a:r>
-                      <a:endParaRPr lang="en-US" sz="1100" b="1" dirty="0" smtClean="0">
-                        <a:solidFill>
-                          <a:schemeClr val="tx1"/>
-                        </a:solidFill>
-                      </a:endParaRPr>
-                    </a:p>
-                  </p:txBody>
-                </p:sp>
-                <p:sp>
-                  <p:nvSpPr>
-                    <p:cNvPr id="91" name="Rounded Rectangle 90"/>
-                    <p:cNvSpPr/>
-                    <p:nvPr/>
-                  </p:nvSpPr>
-                  <p:spPr>
-                    <a:xfrm>
-                      <a:off x="2643188" y="1943100"/>
-                      <a:ext cx="1357312" cy="971550"/>
-                    </a:xfrm>
-                    <a:prstGeom prst="roundRect">
-                      <a:avLst/>
-                    </a:prstGeom>
-                    <a:solidFill>
-                      <a:schemeClr val="tx1">
-                        <a:lumMod val="50000"/>
-                        <a:lumOff val="50000"/>
-                      </a:schemeClr>
-                    </a:solidFill>
-                    <a:ln>
-                      <a:solidFill>
-                        <a:schemeClr val="bg2">
-                          <a:lumMod val="90000"/>
-                        </a:schemeClr>
-                      </a:solidFill>
-                    </a:ln>
-                  </p:spPr>
-                  <p:style>
-                    <a:lnRef idx="2">
-                      <a:schemeClr val="accent1">
-                        <a:shade val="50000"/>
-                      </a:schemeClr>
-                    </a:lnRef>
-                    <a:fillRef idx="1">
-                      <a:schemeClr val="accent1"/>
-                    </a:fillRef>
-                    <a:effectRef idx="0">
-                      <a:schemeClr val="accent1"/>
-                    </a:effectRef>
-                    <a:fontRef idx="minor">
-                      <a:schemeClr val="lt1"/>
-                    </a:fontRef>
-                  </p:style>
-                  <p:txBody>
-                    <a:bodyPr rtlCol="0" anchor="ctr"/>
-                    <a:lstStyle/>
-                    <a:p>
-                      <a:pPr algn="ctr"/>
-                      <a:r>
-                        <a:rPr lang="en-US" sz="600" dirty="0" smtClean="0"/>
-                        <a:t>Cortex-M4 Core</a:t>
-                      </a:r>
-                    </a:p>
-                    <a:p>
-                      <a:pPr algn="ctr"/>
-                      <a:r>
-                        <a:rPr lang="en-US" sz="600" dirty="0" smtClean="0"/>
-                        <a:t>80MHz</a:t>
-                      </a:r>
-                      <a:endParaRPr lang="en-US" sz="600" dirty="0"/>
-                    </a:p>
-                  </p:txBody>
-                </p:sp>
-                <p:sp>
-                  <p:nvSpPr>
-                    <p:cNvPr id="92" name="Rounded Rectangle 91"/>
-                    <p:cNvSpPr/>
-                    <p:nvPr/>
-                  </p:nvSpPr>
-                  <p:spPr>
-                    <a:xfrm>
-                      <a:off x="4087654" y="1943100"/>
-                      <a:ext cx="1357312" cy="971550"/>
-                    </a:xfrm>
-                    <a:prstGeom prst="roundRect">
-                      <a:avLst/>
-                    </a:prstGeom>
-                    <a:solidFill>
-                      <a:schemeClr val="tx1">
-                        <a:lumMod val="50000"/>
-                        <a:lumOff val="50000"/>
-                      </a:schemeClr>
-                    </a:solidFill>
-                    <a:ln>
-                      <a:solidFill>
-                        <a:schemeClr val="bg2">
-                          <a:lumMod val="90000"/>
-                        </a:schemeClr>
-                      </a:solidFill>
-                    </a:ln>
-                  </p:spPr>
-                  <p:style>
-                    <a:lnRef idx="2">
-                      <a:schemeClr val="accent1">
-                        <a:shade val="50000"/>
-                      </a:schemeClr>
-                    </a:lnRef>
-                    <a:fillRef idx="1">
-                      <a:schemeClr val="accent1"/>
-                    </a:fillRef>
-                    <a:effectRef idx="0">
-                      <a:schemeClr val="accent1"/>
-                    </a:effectRef>
-                    <a:fontRef idx="minor">
-                      <a:schemeClr val="lt1"/>
-                    </a:fontRef>
-                  </p:style>
-                  <p:txBody>
-                    <a:bodyPr rtlCol="0" anchor="ctr"/>
-                    <a:lstStyle/>
-                    <a:p>
-                      <a:pPr algn="ctr"/>
-                      <a:r>
-                        <a:rPr lang="en-US" sz="600" dirty="0" smtClean="0"/>
-                        <a:t>Network Processor</a:t>
-                      </a:r>
-                      <a:endParaRPr lang="en-US" sz="600" dirty="0"/>
-                    </a:p>
-                  </p:txBody>
-                </p:sp>
-                <p:sp>
-                  <p:nvSpPr>
-                    <p:cNvPr id="93" name="Rounded Rectangle 92"/>
-                    <p:cNvSpPr/>
-                    <p:nvPr/>
-                  </p:nvSpPr>
-                  <p:spPr>
-                    <a:xfrm>
-                      <a:off x="2687478" y="4064563"/>
-                      <a:ext cx="2714624" cy="971550"/>
-                    </a:xfrm>
-                    <a:prstGeom prst="roundRect">
-                      <a:avLst/>
-                    </a:prstGeom>
-                    <a:solidFill>
-                      <a:schemeClr val="tx1">
-                        <a:lumMod val="50000"/>
-                        <a:lumOff val="50000"/>
-                      </a:schemeClr>
-                    </a:solidFill>
-                    <a:ln>
-                      <a:solidFill>
-                        <a:schemeClr val="bg2">
-                          <a:lumMod val="90000"/>
-                        </a:schemeClr>
-                      </a:solidFill>
-                    </a:ln>
-                  </p:spPr>
-                  <p:style>
-                    <a:lnRef idx="2">
-                      <a:schemeClr val="accent1">
-                        <a:shade val="50000"/>
-                      </a:schemeClr>
-                    </a:lnRef>
-                    <a:fillRef idx="1">
-                      <a:schemeClr val="accent1"/>
-                    </a:fillRef>
-                    <a:effectRef idx="0">
-                      <a:schemeClr val="accent1"/>
-                    </a:effectRef>
-                    <a:fontRef idx="minor">
-                      <a:schemeClr val="lt1"/>
-                    </a:fontRef>
-                  </p:style>
-                  <p:txBody>
-                    <a:bodyPr rtlCol="0" anchor="ctr"/>
-                    <a:lstStyle/>
-                    <a:p>
-                      <a:pPr algn="ctr"/>
-                      <a:r>
-                        <a:rPr lang="en-US" sz="600" dirty="0" smtClean="0"/>
-                        <a:t>Peripherals and Power Management</a:t>
-                      </a:r>
-                      <a:endParaRPr lang="en-US" sz="600" dirty="0"/>
-                    </a:p>
-                  </p:txBody>
-                </p:sp>
-              </p:grpSp>
-              <p:sp>
-                <p:nvSpPr>
-                  <p:cNvPr id="81" name="Rounded Rectangle 80"/>
-                  <p:cNvSpPr/>
-                  <p:nvPr/>
-                </p:nvSpPr>
-                <p:spPr>
-                  <a:xfrm>
-                    <a:off x="8272462" y="2342911"/>
-                    <a:ext cx="2155507" cy="2442686"/>
-                  </a:xfrm>
-                  <a:prstGeom prst="roundRect">
-                    <a:avLst/>
-                  </a:prstGeom>
-                  <a:gradFill>
-                    <a:gsLst>
-                      <a:gs pos="0">
-                        <a:schemeClr val="accent1">
-                          <a:lumMod val="5000"/>
-                          <a:lumOff val="95000"/>
-                        </a:schemeClr>
-                      </a:gs>
-                      <a:gs pos="37000">
-                        <a:schemeClr val="bg1">
-                          <a:lumMod val="85000"/>
-                        </a:schemeClr>
-                      </a:gs>
-                      <a:gs pos="56000">
-                        <a:schemeClr val="bg1">
-                          <a:lumMod val="85000"/>
-                        </a:schemeClr>
-                      </a:gs>
-                      <a:gs pos="100000">
-                        <a:schemeClr val="bg1">
-                          <a:lumMod val="85000"/>
-                        </a:schemeClr>
-                      </a:gs>
-                    </a:gsLst>
-                    <a:lin ang="5400000" scaled="1"/>
-                  </a:gradFill>
-                  <a:ln>
-                    <a:solidFill>
-                      <a:schemeClr val="bg2"/>
-                    </a:solidFill>
-                  </a:ln>
-                </p:spPr>
-                <p:style>
-                  <a:lnRef idx="2">
-                    <a:schemeClr val="accent1">
-                      <a:shade val="50000"/>
-                    </a:schemeClr>
-                  </a:lnRef>
-                  <a:fillRef idx="1">
-                    <a:schemeClr val="accent1"/>
-                  </a:fillRef>
-                  <a:effectRef idx="0">
-                    <a:schemeClr val="accent1"/>
-                  </a:effectRef>
-                  <a:fontRef idx="minor">
-                    <a:schemeClr val="lt1"/>
-                  </a:fontRef>
-                </p:style>
-                <p:txBody>
-                  <a:bodyPr rtlCol="0" anchor="ctr"/>
-                  <a:lstStyle/>
-                  <a:p>
-                    <a:pPr algn="ctr"/>
-                    <a:r>
-                      <a:rPr lang="en-US" sz="1050" b="1" dirty="0" err="1" smtClean="0">
-                        <a:solidFill>
-                          <a:schemeClr val="tx1"/>
-                        </a:solidFill>
-                      </a:rPr>
-                      <a:t>Decawave</a:t>
-                    </a:r>
-                    <a:r>
-                      <a:rPr lang="en-US" sz="1050" b="1" dirty="0" smtClean="0">
-                        <a:solidFill>
-                          <a:schemeClr val="tx1"/>
-                        </a:solidFill>
-                      </a:rPr>
-                      <a:t> </a:t>
-                    </a:r>
-                  </a:p>
-                  <a:p>
-                    <a:pPr algn="ctr"/>
-                    <a:r>
-                      <a:rPr lang="en-US" sz="1050" b="1" dirty="0" smtClean="0">
-                        <a:solidFill>
-                          <a:schemeClr val="tx1"/>
-                        </a:solidFill>
-                      </a:rPr>
-                      <a:t>DW1000 Module</a:t>
-                    </a:r>
-                  </a:p>
-                </p:txBody>
-              </p:sp>
-              <p:grpSp>
-                <p:nvGrpSpPr>
-                  <p:cNvPr id="82" name="Group 81"/>
-                  <p:cNvGrpSpPr/>
-                  <p:nvPr/>
-                </p:nvGrpSpPr>
-                <p:grpSpPr>
-                  <a:xfrm>
-                    <a:off x="10427969" y="2795585"/>
-                    <a:ext cx="559119" cy="768669"/>
-                    <a:chOff x="10427969" y="2795585"/>
-                    <a:chExt cx="559119" cy="768669"/>
-                  </a:xfrm>
-                </p:grpSpPr>
-                <p:cxnSp>
-                  <p:nvCxnSpPr>
-                    <p:cNvPr id="85" name="Straight Connector 84"/>
-                    <p:cNvCxnSpPr>
-                      <a:stCxn id="86" idx="3"/>
-                    </p:cNvCxnSpPr>
-                    <p:nvPr/>
-                  </p:nvCxnSpPr>
-                  <p:spPr>
-                    <a:xfrm>
-                      <a:off x="10427969" y="3564254"/>
-                      <a:ext cx="430531" cy="0"/>
-                    </a:xfrm>
-                    <a:prstGeom prst="line">
-                      <a:avLst/>
-                    </a:prstGeom>
-                    <a:ln w="47625" cmpd="sng">
-                      <a:solidFill>
-                        <a:schemeClr val="tx1"/>
-                      </a:solidFill>
-                    </a:ln>
-                  </p:spPr>
-                  <p:style>
-                    <a:lnRef idx="1">
-                      <a:schemeClr val="accent1"/>
-                    </a:lnRef>
-                    <a:fillRef idx="0">
-                      <a:schemeClr val="accent1"/>
-                    </a:fillRef>
-                    <a:effectRef idx="0">
-                      <a:schemeClr val="accent1"/>
-                    </a:effectRef>
-                    <a:fontRef idx="minor">
-                      <a:schemeClr val="tx1"/>
-                    </a:fontRef>
-                  </p:style>
-                </p:cxnSp>
-                <p:grpSp>
-                  <p:nvGrpSpPr>
-                    <p:cNvPr id="86" name="Group 85"/>
-                    <p:cNvGrpSpPr/>
-                    <p:nvPr/>
-                  </p:nvGrpSpPr>
-                  <p:grpSpPr>
-                    <a:xfrm>
-                      <a:off x="10753726" y="2795585"/>
-                      <a:ext cx="233362" cy="768669"/>
-                      <a:chOff x="10753726" y="2795585"/>
-                      <a:chExt cx="233362" cy="768669"/>
-                    </a:xfrm>
-                  </p:grpSpPr>
-                  <p:cxnSp>
-                    <p:nvCxnSpPr>
-                      <p:cNvPr id="87" name="Straight Connector 86"/>
-                      <p:cNvCxnSpPr/>
-                      <p:nvPr/>
-                    </p:nvCxnSpPr>
-                    <p:spPr>
-                      <a:xfrm flipV="1">
-                        <a:off x="10858500" y="2914650"/>
-                        <a:ext cx="0" cy="649604"/>
-                      </a:xfrm>
-                      <a:prstGeom prst="line">
-                        <a:avLst/>
-                      </a:prstGeom>
-                      <a:ln w="47625" cmpd="sng">
-                        <a:solidFill>
-                          <a:schemeClr val="tx1"/>
-                        </a:solidFill>
-                      </a:ln>
-                    </p:spPr>
-                    <p:style>
-                      <a:lnRef idx="1">
-                        <a:schemeClr val="accent1"/>
-                      </a:lnRef>
-                      <a:fillRef idx="0">
-                        <a:schemeClr val="accent1"/>
-                      </a:fillRef>
-                      <a:effectRef idx="0">
-                        <a:schemeClr val="accent1"/>
-                      </a:effectRef>
-                      <a:fontRef idx="minor">
-                        <a:schemeClr val="tx1"/>
-                      </a:fontRef>
-                    </p:style>
-                  </p:cxnSp>
-                  <p:cxnSp>
-                    <p:nvCxnSpPr>
-                      <p:cNvPr id="88" name="Straight Connector 87"/>
-                      <p:cNvCxnSpPr/>
-                      <p:nvPr/>
-                    </p:nvCxnSpPr>
-                    <p:spPr>
-                      <a:xfrm flipH="1" flipV="1">
-                        <a:off x="10872788" y="2814639"/>
-                        <a:ext cx="114300" cy="128587"/>
-                      </a:xfrm>
-                      <a:prstGeom prst="line">
-                        <a:avLst/>
-                      </a:prstGeom>
-                      <a:ln w="47625" cmpd="sng">
-                        <a:solidFill>
-                          <a:schemeClr val="tx1"/>
-                        </a:solidFill>
-                      </a:ln>
-                      <a:scene3d>
-                        <a:camera prst="orthographicFront">
-                          <a:rot lat="0" lon="0" rev="5400000"/>
-                        </a:camera>
-                        <a:lightRig rig="threePt" dir="t"/>
-                      </a:scene3d>
-                    </p:spPr>
-                    <p:style>
-                      <a:lnRef idx="1">
-                        <a:schemeClr val="accent1"/>
-                      </a:lnRef>
-                      <a:fillRef idx="0">
-                        <a:schemeClr val="accent1"/>
-                      </a:fillRef>
-                      <a:effectRef idx="0">
-                        <a:schemeClr val="accent1"/>
-                      </a:effectRef>
-                      <a:fontRef idx="minor">
-                        <a:schemeClr val="tx1"/>
-                      </a:fontRef>
-                    </p:style>
-                  </p:cxnSp>
-                  <p:cxnSp>
-                    <p:nvCxnSpPr>
-                      <p:cNvPr id="89" name="Straight Connector 88"/>
-                      <p:cNvCxnSpPr/>
-                      <p:nvPr/>
-                    </p:nvCxnSpPr>
-                    <p:spPr>
-                      <a:xfrm flipH="1" flipV="1">
-                        <a:off x="10753726" y="2795585"/>
-                        <a:ext cx="114300" cy="128587"/>
-                      </a:xfrm>
-                      <a:prstGeom prst="line">
-                        <a:avLst/>
-                      </a:prstGeom>
-                      <a:ln w="47625" cmpd="sng">
-                        <a:solidFill>
-                          <a:schemeClr val="tx1"/>
-                        </a:solidFill>
-                      </a:ln>
-                      <a:scene3d>
-                        <a:camera prst="orthographicFront">
-                          <a:rot lat="0" lon="0" rev="0"/>
-                        </a:camera>
-                        <a:lightRig rig="threePt" dir="t"/>
-                      </a:scene3d>
-                    </p:spPr>
-                    <p:style>
-                      <a:lnRef idx="1">
-                        <a:schemeClr val="accent1"/>
-                      </a:lnRef>
-                      <a:fillRef idx="0">
-                        <a:schemeClr val="accent1"/>
-                      </a:fillRef>
-                      <a:effectRef idx="0">
-                        <a:schemeClr val="accent1"/>
-                      </a:effectRef>
-                      <a:fontRef idx="minor">
-                        <a:schemeClr val="tx1"/>
-                      </a:fontRef>
-                    </p:style>
-                  </p:cxnSp>
-                </p:grpSp>
-              </p:grpSp>
-              <p:cxnSp>
-                <p:nvCxnSpPr>
-                  <p:cNvPr id="83" name="Straight Arrow Connector 82"/>
-                  <p:cNvCxnSpPr>
-                    <a:stCxn id="81" idx="3"/>
-                    <a:endCxn id="86" idx="1"/>
-                  </p:cNvCxnSpPr>
-                  <p:nvPr/>
-                </p:nvCxnSpPr>
-                <p:spPr>
-                  <a:xfrm flipV="1">
-                    <a:off x="6375097" y="3564254"/>
-                    <a:ext cx="1897365" cy="1"/>
-                  </a:xfrm>
-                  <a:prstGeom prst="straightConnector1">
-                    <a:avLst/>
-                  </a:prstGeom>
-                  <a:ln w="57150">
-                    <a:solidFill>
-                      <a:schemeClr val="tx1"/>
-                    </a:solidFill>
-                    <a:headEnd type="triangle"/>
-                    <a:tailEnd type="triangle"/>
-                  </a:ln>
-                </p:spPr>
-                <p:style>
-                  <a:lnRef idx="1">
-                    <a:schemeClr val="accent1"/>
-                  </a:lnRef>
-                  <a:fillRef idx="0">
-                    <a:schemeClr val="accent1"/>
-                  </a:fillRef>
-                  <a:effectRef idx="0">
-                    <a:schemeClr val="accent1"/>
-                  </a:effectRef>
-                  <a:fontRef idx="minor">
-                    <a:schemeClr val="tx1"/>
-                  </a:fontRef>
-                </p:style>
-              </p:cxnSp>
-              <p:sp>
-                <p:nvSpPr>
-                  <p:cNvPr id="84" name="TextBox 83"/>
+                  <p:cNvPr id="22" name="TextBox 21"/>
                   <p:cNvSpPr txBox="1"/>
                   <p:nvPr/>
                 </p:nvSpPr>
@@ -5852,7 +6107,7 @@
             </p:grpSp>
             <p:cxnSp>
               <p:nvCxnSpPr>
-                <p:cNvPr id="96" name="Straight Arrow Connector 95"/>
+                <p:cNvPr id="16" name="Straight Arrow Connector 15"/>
                 <p:cNvCxnSpPr/>
                 <p:nvPr/>
               </p:nvCxnSpPr>
@@ -5890,7 +6145,7 @@
             </p:cxnSp>
             <p:sp>
               <p:nvSpPr>
-                <p:cNvPr id="98" name="TextBox 97"/>
+                <p:cNvPr id="17" name="TextBox 16"/>
                 <p:cNvSpPr txBox="1"/>
                 <p:nvPr/>
               </p:nvSpPr>
@@ -5924,7 +6179,7 @@
     </p:spTree>
     <p:extLst>
       <p:ext uri="{BB962C8B-B14F-4D97-AF65-F5344CB8AC3E}">
-        <p14:creationId xmlns:p14="http://schemas.microsoft.com/office/powerpoint/2010/main" val="1363851905"/>
+        <p14:creationId xmlns:p14="http://schemas.microsoft.com/office/powerpoint/2010/main" val="1687046382"/>
       </p:ext>
     </p:extLst>
   </p:cSld>
@@ -5941,7 +6196,7 @@
 </p:sld>
 </file>
 
-<file path=ppt/slides/slide3.xml><?xml version="1.0" encoding="utf-8"?>
+<file path=ppt/slides/slide5.xml><?xml version="1.0" encoding="utf-8"?>
 <p:sld xmlns:a="http://schemas.openxmlformats.org/drawingml/2006/main" xmlns:r="http://schemas.openxmlformats.org/officeDocument/2006/relationships" xmlns:p="http://schemas.openxmlformats.org/presentationml/2006/main">
   <p:cSld>
     <p:spTree>
@@ -5958,6 +6213,48 @@
           <a:chExt cx="0" cy="0"/>
         </a:xfrm>
       </p:grpSpPr>
+      <p:sp>
+        <p:nvSpPr>
+          <p:cNvPr id="2" name="Title 1"/>
+          <p:cNvSpPr>
+            <a:spLocks noGrp="1"/>
+          </p:cNvSpPr>
+          <p:nvPr>
+            <p:ph type="title"/>
+          </p:nvPr>
+        </p:nvSpPr>
+        <p:spPr/>
+        <p:txBody>
+          <a:bodyPr/>
+          <a:lstStyle/>
+          <a:p>
+            <a:r>
+              <a:rPr lang="en-US" smtClean="0"/>
+              <a:t>System Diagram of a Node</a:t>
+            </a:r>
+            <a:endParaRPr lang="en-US"/>
+          </a:p>
+        </p:txBody>
+      </p:sp>
+      <p:sp>
+        <p:nvSpPr>
+          <p:cNvPr id="3" name="Content Placeholder 2"/>
+          <p:cNvSpPr>
+            <a:spLocks noGrp="1"/>
+          </p:cNvSpPr>
+          <p:nvPr>
+            <p:ph idx="1"/>
+          </p:nvPr>
+        </p:nvSpPr>
+        <p:spPr/>
+        <p:txBody>
+          <a:bodyPr/>
+          <a:lstStyle/>
+          <a:p>
+            <a:endParaRPr lang="en-US"/>
+          </a:p>
+        </p:txBody>
+      </p:sp>
       <p:grpSp>
         <p:nvGrpSpPr>
           <p:cNvPr id="4" name="Group 3"/>
@@ -5966,7 +6263,7 @@
         </p:nvGrpSpPr>
         <p:grpSpPr>
           <a:xfrm>
-            <a:off x="914393" y="1028695"/>
+            <a:off x="914393" y="1842732"/>
             <a:ext cx="10245273" cy="4523349"/>
             <a:chOff x="3311857" y="1428273"/>
             <a:chExt cx="7675231" cy="4271963"/>
@@ -6606,17 +6903,24 @@
     </p:spTree>
     <p:extLst>
       <p:ext uri="{BB962C8B-B14F-4D97-AF65-F5344CB8AC3E}">
-        <p14:creationId xmlns:p14="http://schemas.microsoft.com/office/powerpoint/2010/main" val="1215698678"/>
+        <p14:creationId xmlns:p14="http://schemas.microsoft.com/office/powerpoint/2010/main" val="390603326"/>
       </p:ext>
     </p:extLst>
   </p:cSld>
   <p:clrMapOvr>
     <a:masterClrMapping/>
   </p:clrMapOvr>
+  <p:timing>
+    <p:tnLst>
+      <p:par>
+        <p:cTn id="1" dur="indefinite" restart="never" nodeType="tmRoot"/>
+      </p:par>
+    </p:tnLst>
+  </p:timing>
 </p:sld>
 </file>
 
-<file path=ppt/slides/slide4.xml><?xml version="1.0" encoding="utf-8"?>
+<file path=ppt/slides/slide6.xml><?xml version="1.0" encoding="utf-8"?>
 <p:sld xmlns:a="http://schemas.openxmlformats.org/drawingml/2006/main" xmlns:r="http://schemas.openxmlformats.org/officeDocument/2006/relationships" xmlns:p="http://schemas.openxmlformats.org/presentationml/2006/main">
   <p:cSld>
     <p:spTree>
@@ -6643,30 +6947,21 @@
             <p:ph type="title"/>
           </p:nvPr>
         </p:nvSpPr>
-        <p:spPr/>
+        <p:spPr>
+          <a:xfrm>
+            <a:off x="838200" y="2338892"/>
+            <a:ext cx="10515600" cy="1325563"/>
+          </a:xfrm>
+        </p:spPr>
         <p:txBody>
           <a:bodyPr/>
           <a:lstStyle/>
           <a:p>
-            <a:endParaRPr lang="en-US"/>
-          </a:p>
-        </p:txBody>
-      </p:sp>
-      <p:sp>
-        <p:nvSpPr>
-          <p:cNvPr id="3" name="Content Placeholder 2"/>
-          <p:cNvSpPr>
-            <a:spLocks noGrp="1"/>
-          </p:cNvSpPr>
-          <p:nvPr>
-            <p:ph idx="1"/>
-          </p:nvPr>
-        </p:nvSpPr>
-        <p:spPr/>
-        <p:txBody>
-          <a:bodyPr/>
-          <a:lstStyle/>
-          <a:p>
+            <a:pPr algn="ctr"/>
+            <a:r>
+              <a:rPr lang="en-US" smtClean="0"/>
+              <a:t>Questions?</a:t>
+            </a:r>
             <a:endParaRPr lang="en-US"/>
           </a:p>
         </p:txBody>
@@ -6681,6 +6976,13 @@
   <p:clrMapOvr>
     <a:masterClrMapping/>
   </p:clrMapOvr>
+  <p:timing>
+    <p:tnLst>
+      <p:par>
+        <p:cTn id="1" dur="indefinite" restart="never" nodeType="tmRoot"/>
+      </p:par>
+    </p:tnLst>
+  </p:timing>
 </p:sld>
 </file>
 
